--- a/docs/diagrams/AddapptActivityDiagram.pptx
+++ b/docs/diagrams/AddapptActivityDiagram.pptx
@@ -3356,8 +3356,8 @@
         </p:nvSpPr>
         <p:spPr>
           <a:xfrm>
-            <a:off x="2390862" y="528506"/>
-            <a:ext cx="7080309" cy="4748169"/>
+            <a:off x="604008" y="528506"/>
+            <a:ext cx="11132190" cy="4748169"/>
           </a:xfrm>
           <a:prstGeom prst="roundRect">
             <a:avLst>

--- a/docs/diagrams/AddapptActivityDiagram.pptx
+++ b/docs/diagrams/AddapptActivityDiagram.pptx
@@ -3393,14 +3393,6 @@
           <a:bodyPr rtlCol="0" anchor="t"/>
           <a:lstStyle/>
           <a:p>
-            <a:r>
-              <a:rPr lang="en-SG" sz="1200" b="1" dirty="0" err="1">
-                <a:solidFill>
-                  <a:srgbClr val="0070C0"/>
-                </a:solidFill>
-              </a:rPr>
-              <a:t>addappt</a:t>
-            </a:r>
             <a:endParaRPr lang="en-SG" sz="1200" b="1" dirty="0">
               <a:solidFill>
                 <a:srgbClr val="0070C0"/>
@@ -4861,7 +4853,7 @@
         </p:nvSpPr>
         <p:spPr>
           <a:xfrm>
-            <a:off x="6073099" y="1152912"/>
+            <a:off x="4684746" y="934877"/>
             <a:ext cx="189761" cy="187646"/>
           </a:xfrm>
           <a:prstGeom prst="ellipse">
@@ -4921,7 +4913,7 @@
         </p:nvSpPr>
         <p:spPr>
           <a:xfrm>
-            <a:off x="5317919" y="2018518"/>
+            <a:off x="5761331" y="1145065"/>
             <a:ext cx="189761" cy="187646"/>
           </a:xfrm>
           <a:prstGeom prst="ellipse">
@@ -4981,7 +4973,7 @@
         </p:nvSpPr>
         <p:spPr>
           <a:xfrm>
-            <a:off x="3813669" y="3089692"/>
+            <a:off x="5764643" y="1846764"/>
             <a:ext cx="189761" cy="187646"/>
           </a:xfrm>
           <a:prstGeom prst="ellipse">
@@ -5142,7 +5134,7 @@
                 <a:latin typeface="Arial" panose="020B0604020202020204" pitchFamily="34" charset="0"/>
                 <a:cs typeface="Arial" panose="020B0604020202020204" pitchFamily="34" charset="0"/>
               </a:rPr>
-              <a:t>6</a:t>
+              <a:t>9</a:t>
             </a:r>
           </a:p>
         </p:txBody>
@@ -5202,7 +5194,7 @@
                 <a:latin typeface="Arial" panose="020B0604020202020204" pitchFamily="34" charset="0"/>
                 <a:cs typeface="Arial" panose="020B0604020202020204" pitchFamily="34" charset="0"/>
               </a:rPr>
-              <a:t>5</a:t>
+              <a:t>6</a:t>
             </a:r>
           </a:p>
         </p:txBody>
@@ -5257,13 +5249,121 @@
           <a:lstStyle/>
           <a:p>
             <a:pPr algn="ctr"/>
+            <a:endParaRPr lang="en-SG" sz="1050" dirty="0">
+              <a:latin typeface="Arial" panose="020B0604020202020204" pitchFamily="34" charset="0"/>
+              <a:cs typeface="Arial" panose="020B0604020202020204" pitchFamily="34" charset="0"/>
+            </a:endParaRPr>
+          </a:p>
+        </p:txBody>
+      </p:sp>
+      <p:sp>
+        <p:nvSpPr>
+          <p:cNvPr id="88" name="Oval 87">
+            <a:extLst>
+              <a:ext uri="{FF2B5EF4-FFF2-40B4-BE49-F238E27FC236}">
+                <a16:creationId xmlns:a16="http://schemas.microsoft.com/office/drawing/2014/main" id="{C1B23025-79EA-4478-B084-8C0DFE14A0F1}"/>
+              </a:ext>
+            </a:extLst>
+          </p:cNvPr>
+          <p:cNvSpPr/>
+          <p:nvPr/>
+        </p:nvSpPr>
+        <p:spPr>
+          <a:xfrm>
+            <a:off x="3813668" y="2463414"/>
+            <a:ext cx="189761" cy="187646"/>
+          </a:xfrm>
+          <a:prstGeom prst="ellipse">
+            <a:avLst/>
+          </a:prstGeom>
+          <a:solidFill>
+            <a:schemeClr val="tx1"/>
+          </a:solidFill>
+          <a:ln>
+            <a:solidFill>
+              <a:schemeClr val="tx1"/>
+            </a:solidFill>
+          </a:ln>
+        </p:spPr>
+        <p:style>
+          <a:lnRef idx="2">
+            <a:schemeClr val="dk1">
+              <a:shade val="50000"/>
+            </a:schemeClr>
+          </a:lnRef>
+          <a:fillRef idx="1">
+            <a:schemeClr val="dk1"/>
+          </a:fillRef>
+          <a:effectRef idx="0">
+            <a:schemeClr val="dk1"/>
+          </a:effectRef>
+          <a:fontRef idx="minor">
+            <a:schemeClr val="lt1"/>
+          </a:fontRef>
+        </p:style>
+        <p:txBody>
+          <a:bodyPr rtlCol="0" anchor="ctr"/>
+          <a:lstStyle/>
+          <a:p>
+            <a:pPr algn="ctr"/>
             <a:r>
               <a:rPr lang="en-SG" sz="1050" dirty="0">
                 <a:latin typeface="Arial" panose="020B0604020202020204" pitchFamily="34" charset="0"/>
                 <a:cs typeface="Arial" panose="020B0604020202020204" pitchFamily="34" charset="0"/>
               </a:rPr>
-              <a:t>7</a:t>
-            </a:r>
+              <a:t>4</a:t>
+            </a:r>
+          </a:p>
+        </p:txBody>
+      </p:sp>
+      <p:sp>
+        <p:nvSpPr>
+          <p:cNvPr id="91" name="TextBox 90">
+            <a:extLst>
+              <a:ext uri="{FF2B5EF4-FFF2-40B4-BE49-F238E27FC236}">
+                <a16:creationId xmlns:a16="http://schemas.microsoft.com/office/drawing/2014/main" id="{CD63DC81-A600-4A07-8727-57BD2AA8B0BE}"/>
+              </a:ext>
+            </a:extLst>
+          </p:cNvPr>
+          <p:cNvSpPr txBox="1"/>
+          <p:nvPr/>
+        </p:nvSpPr>
+        <p:spPr>
+          <a:xfrm>
+            <a:off x="8143016" y="3762233"/>
+            <a:ext cx="335348" cy="530915"/>
+          </a:xfrm>
+          <a:prstGeom prst="rect">
+            <a:avLst/>
+          </a:prstGeom>
+          <a:noFill/>
+        </p:spPr>
+        <p:txBody>
+          <a:bodyPr wrap="none" rtlCol="0">
+            <a:spAutoFit/>
+          </a:bodyPr>
+          <a:lstStyle/>
+          <a:p>
+            <a:r>
+              <a:rPr lang="en-SG" sz="1050" dirty="0">
+                <a:solidFill>
+                  <a:schemeClr val="bg1"/>
+                </a:solidFill>
+                <a:latin typeface="Arial" panose="020B0604020202020204" pitchFamily="34" charset="0"/>
+                <a:cs typeface="Arial" panose="020B0604020202020204" pitchFamily="34" charset="0"/>
+              </a:rPr>
+              <a:t>10</a:t>
+            </a:r>
+            <a:endParaRPr lang="en-SG" sz="1050" b="1" dirty="0">
+              <a:solidFill>
+                <a:srgbClr val="0070C0"/>
+              </a:solidFill>
+              <a:latin typeface="Arial" panose="020B0604020202020204" pitchFamily="34" charset="0"/>
+              <a:cs typeface="Arial" panose="020B0604020202020204" pitchFamily="34" charset="0"/>
+            </a:endParaRPr>
+          </a:p>
+          <a:p>
+            <a:endParaRPr lang="en-SG" dirty="0"/>
           </a:p>
         </p:txBody>
       </p:sp>
